--- a/imgs/slides.pptx
+++ b/imgs/slides.pptx
@@ -6,6 +6,7 @@
   </p:sldMasterIdLst>
   <p:sldIdLst>
     <p:sldId id="256" r:id="rId2"/>
+    <p:sldId id="257" r:id="rId3"/>
   </p:sldIdLst>
   <p:sldSz cx="12192000" cy="6858000"/>
   <p:notesSz cx="6858000" cy="9144000"/>
@@ -104,6 +105,11 @@
       </a:defRPr>
     </a:lvl9pPr>
   </p:defaultTextStyle>
+  <p:extLst>
+    <p:ext uri="{EFAFB233-063F-42B5-8137-9DF3F51BA10A}">
+      <p15:sldGuideLst xmlns:p15="http://schemas.microsoft.com/office/powerpoint/2012/main"/>
+    </p:ext>
+  </p:extLst>
 </p:presentation>
 </file>
 
@@ -256,7 +262,7 @@
           <a:p>
             <a:fld id="{8B9DB835-D50E-3C42-B345-BF18B24F8E87}" type="datetimeFigureOut">
               <a:rPr lang="en-FR" smtClean="0"/>
-              <a:t>21/08/2023</a:t>
+              <a:t>25/08/2023</a:t>
             </a:fld>
             <a:endParaRPr lang="en-FR"/>
           </a:p>
@@ -456,7 +462,7 @@
           <a:p>
             <a:fld id="{8B9DB835-D50E-3C42-B345-BF18B24F8E87}" type="datetimeFigureOut">
               <a:rPr lang="en-FR" smtClean="0"/>
-              <a:t>21/08/2023</a:t>
+              <a:t>25/08/2023</a:t>
             </a:fld>
             <a:endParaRPr lang="en-FR"/>
           </a:p>
@@ -666,7 +672,7 @@
           <a:p>
             <a:fld id="{8B9DB835-D50E-3C42-B345-BF18B24F8E87}" type="datetimeFigureOut">
               <a:rPr lang="en-FR" smtClean="0"/>
-              <a:t>21/08/2023</a:t>
+              <a:t>25/08/2023</a:t>
             </a:fld>
             <a:endParaRPr lang="en-FR"/>
           </a:p>
@@ -866,7 +872,7 @@
           <a:p>
             <a:fld id="{8B9DB835-D50E-3C42-B345-BF18B24F8E87}" type="datetimeFigureOut">
               <a:rPr lang="en-FR" smtClean="0"/>
-              <a:t>21/08/2023</a:t>
+              <a:t>25/08/2023</a:t>
             </a:fld>
             <a:endParaRPr lang="en-FR"/>
           </a:p>
@@ -1142,7 +1148,7 @@
           <a:p>
             <a:fld id="{8B9DB835-D50E-3C42-B345-BF18B24F8E87}" type="datetimeFigureOut">
               <a:rPr lang="en-FR" smtClean="0"/>
-              <a:t>21/08/2023</a:t>
+              <a:t>25/08/2023</a:t>
             </a:fld>
             <a:endParaRPr lang="en-FR"/>
           </a:p>
@@ -1410,7 +1416,7 @@
           <a:p>
             <a:fld id="{8B9DB835-D50E-3C42-B345-BF18B24F8E87}" type="datetimeFigureOut">
               <a:rPr lang="en-FR" smtClean="0"/>
-              <a:t>21/08/2023</a:t>
+              <a:t>25/08/2023</a:t>
             </a:fld>
             <a:endParaRPr lang="en-FR"/>
           </a:p>
@@ -1825,7 +1831,7 @@
           <a:p>
             <a:fld id="{8B9DB835-D50E-3C42-B345-BF18B24F8E87}" type="datetimeFigureOut">
               <a:rPr lang="en-FR" smtClean="0"/>
-              <a:t>21/08/2023</a:t>
+              <a:t>25/08/2023</a:t>
             </a:fld>
             <a:endParaRPr lang="en-FR"/>
           </a:p>
@@ -1967,7 +1973,7 @@
           <a:p>
             <a:fld id="{8B9DB835-D50E-3C42-B345-BF18B24F8E87}" type="datetimeFigureOut">
               <a:rPr lang="en-FR" smtClean="0"/>
-              <a:t>21/08/2023</a:t>
+              <a:t>25/08/2023</a:t>
             </a:fld>
             <a:endParaRPr lang="en-FR"/>
           </a:p>
@@ -2080,7 +2086,7 @@
           <a:p>
             <a:fld id="{8B9DB835-D50E-3C42-B345-BF18B24F8E87}" type="datetimeFigureOut">
               <a:rPr lang="en-FR" smtClean="0"/>
-              <a:t>21/08/2023</a:t>
+              <a:t>25/08/2023</a:t>
             </a:fld>
             <a:endParaRPr lang="en-FR"/>
           </a:p>
@@ -2393,7 +2399,7 @@
           <a:p>
             <a:fld id="{8B9DB835-D50E-3C42-B345-BF18B24F8E87}" type="datetimeFigureOut">
               <a:rPr lang="en-FR" smtClean="0"/>
-              <a:t>21/08/2023</a:t>
+              <a:t>25/08/2023</a:t>
             </a:fld>
             <a:endParaRPr lang="en-FR"/>
           </a:p>
@@ -2682,7 +2688,7 @@
           <a:p>
             <a:fld id="{8B9DB835-D50E-3C42-B345-BF18B24F8E87}" type="datetimeFigureOut">
               <a:rPr lang="en-FR" smtClean="0"/>
-              <a:t>21/08/2023</a:t>
+              <a:t>25/08/2023</a:t>
             </a:fld>
             <a:endParaRPr lang="en-FR"/>
           </a:p>
@@ -2925,7 +2931,7 @@
           <a:p>
             <a:fld id="{8B9DB835-D50E-3C42-B345-BF18B24F8E87}" type="datetimeFigureOut">
               <a:rPr lang="en-FR" smtClean="0"/>
-              <a:t>21/08/2023</a:t>
+              <a:t>25/08/2023</a:t>
             </a:fld>
             <a:endParaRPr lang="en-FR"/>
           </a:p>
@@ -4558,6 +4564,1755 @@
 </p:sld>
 </file>
 
+<file path=ppt/slides/slide2.xml><?xml version="1.0" encoding="utf-8"?>
+<p:sld xmlns:a="http://schemas.openxmlformats.org/drawingml/2006/main" xmlns:r="http://schemas.openxmlformats.org/officeDocument/2006/relationships" xmlns:p="http://schemas.openxmlformats.org/presentationml/2006/main">
+  <p:cSld>
+    <p:spTree>
+      <p:nvGrpSpPr>
+        <p:cNvPr id="1" name=""/>
+        <p:cNvGrpSpPr/>
+        <p:nvPr/>
+      </p:nvGrpSpPr>
+      <p:grpSpPr>
+        <a:xfrm>
+          <a:off x="0" y="0"/>
+          <a:ext cx="0" cy="0"/>
+          <a:chOff x="0" y="0"/>
+          <a:chExt cx="0" cy="0"/>
+        </a:xfrm>
+      </p:grpSpPr>
+      <p:cxnSp>
+        <p:nvCxnSpPr>
+          <p:cNvPr id="5" name="Straight Connector 4">
+            <a:extLst>
+              <a:ext uri="{FF2B5EF4-FFF2-40B4-BE49-F238E27FC236}">
+                <a16:creationId xmlns:a16="http://schemas.microsoft.com/office/drawing/2014/main" id="{B394E476-C8C9-9BE2-4242-5FE4C0CA7C08}"/>
+              </a:ext>
+            </a:extLst>
+          </p:cNvPr>
+          <p:cNvCxnSpPr/>
+          <p:nvPr/>
+        </p:nvCxnSpPr>
+        <p:spPr>
+          <a:xfrm>
+            <a:off x="602901" y="2214717"/>
+            <a:ext cx="10199077" cy="0"/>
+          </a:xfrm>
+          <a:prstGeom prst="line">
+            <a:avLst/>
+          </a:prstGeom>
+          <a:ln w="38100">
+            <a:solidFill>
+              <a:schemeClr val="accent6"/>
+            </a:solidFill>
+          </a:ln>
+        </p:spPr>
+        <p:style>
+          <a:lnRef idx="1">
+            <a:schemeClr val="accent1"/>
+          </a:lnRef>
+          <a:fillRef idx="0">
+            <a:schemeClr val="accent1"/>
+          </a:fillRef>
+          <a:effectRef idx="0">
+            <a:schemeClr val="accent1"/>
+          </a:effectRef>
+          <a:fontRef idx="minor">
+            <a:schemeClr val="tx1"/>
+          </a:fontRef>
+        </p:style>
+      </p:cxnSp>
+      <p:cxnSp>
+        <p:nvCxnSpPr>
+          <p:cNvPr id="6" name="Straight Connector 5">
+            <a:extLst>
+              <a:ext uri="{FF2B5EF4-FFF2-40B4-BE49-F238E27FC236}">
+                <a16:creationId xmlns:a16="http://schemas.microsoft.com/office/drawing/2014/main" id="{5A9E435D-D6E4-766C-E13B-4C6B0BBBF8DE}"/>
+              </a:ext>
+            </a:extLst>
+          </p:cNvPr>
+          <p:cNvCxnSpPr/>
+          <p:nvPr/>
+        </p:nvCxnSpPr>
+        <p:spPr>
+          <a:xfrm>
+            <a:off x="602901" y="4277141"/>
+            <a:ext cx="10199077" cy="0"/>
+          </a:xfrm>
+          <a:prstGeom prst="line">
+            <a:avLst/>
+          </a:prstGeom>
+          <a:ln w="38100">
+            <a:solidFill>
+              <a:schemeClr val="accent5"/>
+            </a:solidFill>
+          </a:ln>
+        </p:spPr>
+        <p:style>
+          <a:lnRef idx="1">
+            <a:schemeClr val="accent1"/>
+          </a:lnRef>
+          <a:fillRef idx="0">
+            <a:schemeClr val="accent1"/>
+          </a:fillRef>
+          <a:effectRef idx="0">
+            <a:schemeClr val="accent1"/>
+          </a:effectRef>
+          <a:fontRef idx="minor">
+            <a:schemeClr val="tx1"/>
+          </a:fontRef>
+        </p:style>
+      </p:cxnSp>
+      <p:cxnSp>
+        <p:nvCxnSpPr>
+          <p:cNvPr id="7" name="Straight Connector 6">
+            <a:extLst>
+              <a:ext uri="{FF2B5EF4-FFF2-40B4-BE49-F238E27FC236}">
+                <a16:creationId xmlns:a16="http://schemas.microsoft.com/office/drawing/2014/main" id="{5E1C74DB-EDAF-B5D9-147F-EAE90D48180F}"/>
+              </a:ext>
+            </a:extLst>
+          </p:cNvPr>
+          <p:cNvCxnSpPr/>
+          <p:nvPr/>
+        </p:nvCxnSpPr>
+        <p:spPr>
+          <a:xfrm>
+            <a:off x="602901" y="4944665"/>
+            <a:ext cx="10199077" cy="0"/>
+          </a:xfrm>
+          <a:prstGeom prst="line">
+            <a:avLst/>
+          </a:prstGeom>
+          <a:ln w="38100">
+            <a:solidFill>
+              <a:schemeClr val="accent2"/>
+            </a:solidFill>
+          </a:ln>
+        </p:spPr>
+        <p:style>
+          <a:lnRef idx="1">
+            <a:schemeClr val="accent1"/>
+          </a:lnRef>
+          <a:fillRef idx="0">
+            <a:schemeClr val="accent1"/>
+          </a:fillRef>
+          <a:effectRef idx="0">
+            <a:schemeClr val="accent1"/>
+          </a:effectRef>
+          <a:fontRef idx="minor">
+            <a:schemeClr val="tx1"/>
+          </a:fontRef>
+        </p:style>
+      </p:cxnSp>
+      <p:sp>
+        <p:nvSpPr>
+          <p:cNvPr id="10" name="Rounded Rectangle 9">
+            <a:extLst>
+              <a:ext uri="{FF2B5EF4-FFF2-40B4-BE49-F238E27FC236}">
+                <a16:creationId xmlns:a16="http://schemas.microsoft.com/office/drawing/2014/main" id="{F4A52E62-0209-702D-5894-80EB77D24C7E}"/>
+              </a:ext>
+            </a:extLst>
+          </p:cNvPr>
+          <p:cNvSpPr/>
+          <p:nvPr/>
+        </p:nvSpPr>
+        <p:spPr>
+          <a:xfrm>
+            <a:off x="2279374" y="2709216"/>
+            <a:ext cx="1033669" cy="1073426"/>
+          </a:xfrm>
+          <a:prstGeom prst="roundRect">
+            <a:avLst/>
+          </a:prstGeom>
+          <a:solidFill>
+            <a:schemeClr val="bg1"/>
+          </a:solidFill>
+          <a:ln w="38100"/>
+        </p:spPr>
+        <p:style>
+          <a:lnRef idx="2">
+            <a:schemeClr val="accent1">
+              <a:shade val="15000"/>
+            </a:schemeClr>
+          </a:lnRef>
+          <a:fillRef idx="1">
+            <a:schemeClr val="accent1"/>
+          </a:fillRef>
+          <a:effectRef idx="0">
+            <a:schemeClr val="accent1"/>
+          </a:effectRef>
+          <a:fontRef idx="minor">
+            <a:schemeClr val="lt1"/>
+          </a:fontRef>
+        </p:style>
+        <p:txBody>
+          <a:bodyPr rtlCol="0" anchor="ctr"/>
+          <a:lstStyle/>
+          <a:p>
+            <a:pPr algn="ctr"/>
+            <a:r>
+              <a:rPr lang="en-GB" sz="1600" dirty="0">
+                <a:solidFill>
+                  <a:schemeClr val="tx1"/>
+                </a:solidFill>
+              </a:rPr>
+              <a:t>E</a:t>
+            </a:r>
+            <a:r>
+              <a:rPr lang="en-FR" sz="1600" dirty="0">
+                <a:solidFill>
+                  <a:schemeClr val="tx1"/>
+                </a:solidFill>
+              </a:rPr>
+              <a:t>xternal gateway</a:t>
+            </a:r>
+          </a:p>
+        </p:txBody>
+      </p:sp>
+      <p:sp>
+        <p:nvSpPr>
+          <p:cNvPr id="11" name="Rounded Rectangle 10">
+            <a:extLst>
+              <a:ext uri="{FF2B5EF4-FFF2-40B4-BE49-F238E27FC236}">
+                <a16:creationId xmlns:a16="http://schemas.microsoft.com/office/drawing/2014/main" id="{3C302276-CAB2-FECB-1D06-A66EC70219A1}"/>
+              </a:ext>
+            </a:extLst>
+          </p:cNvPr>
+          <p:cNvSpPr/>
+          <p:nvPr/>
+        </p:nvSpPr>
+        <p:spPr>
+          <a:xfrm>
+            <a:off x="3969027" y="2709216"/>
+            <a:ext cx="1033669" cy="1073426"/>
+          </a:xfrm>
+          <a:prstGeom prst="roundRect">
+            <a:avLst/>
+          </a:prstGeom>
+          <a:solidFill>
+            <a:schemeClr val="bg1"/>
+          </a:solidFill>
+          <a:ln w="38100"/>
+        </p:spPr>
+        <p:style>
+          <a:lnRef idx="2">
+            <a:schemeClr val="accent1">
+              <a:shade val="15000"/>
+            </a:schemeClr>
+          </a:lnRef>
+          <a:fillRef idx="1">
+            <a:schemeClr val="accent1"/>
+          </a:fillRef>
+          <a:effectRef idx="0">
+            <a:schemeClr val="accent1"/>
+          </a:effectRef>
+          <a:fontRef idx="minor">
+            <a:schemeClr val="lt1"/>
+          </a:fontRef>
+        </p:style>
+        <p:txBody>
+          <a:bodyPr rtlCol="0" anchor="ctr"/>
+          <a:lstStyle/>
+          <a:p>
+            <a:pPr algn="ctr"/>
+            <a:r>
+              <a:rPr lang="en-GB" sz="1800" dirty="0">
+                <a:solidFill>
+                  <a:schemeClr val="tx1"/>
+                </a:solidFill>
+              </a:rPr>
+              <a:t>E</a:t>
+            </a:r>
+            <a:r>
+              <a:rPr lang="en-FR" dirty="0">
+                <a:solidFill>
+                  <a:schemeClr val="tx1"/>
+                </a:solidFill>
+              </a:rPr>
+              <a:t>SXi-1</a:t>
+            </a:r>
+            <a:endParaRPr lang="en-FR" sz="1800" dirty="0">
+              <a:solidFill>
+                <a:schemeClr val="tx1"/>
+              </a:solidFill>
+            </a:endParaRPr>
+          </a:p>
+        </p:txBody>
+      </p:sp>
+      <p:sp>
+        <p:nvSpPr>
+          <p:cNvPr id="12" name="Rounded Rectangle 11">
+            <a:extLst>
+              <a:ext uri="{FF2B5EF4-FFF2-40B4-BE49-F238E27FC236}">
+                <a16:creationId xmlns:a16="http://schemas.microsoft.com/office/drawing/2014/main" id="{271D53DB-28AA-1A09-B696-539C80E65822}"/>
+              </a:ext>
+            </a:extLst>
+          </p:cNvPr>
+          <p:cNvSpPr/>
+          <p:nvPr/>
+        </p:nvSpPr>
+        <p:spPr>
+          <a:xfrm>
+            <a:off x="5715692" y="2709216"/>
+            <a:ext cx="1033669" cy="1073426"/>
+          </a:xfrm>
+          <a:prstGeom prst="roundRect">
+            <a:avLst/>
+          </a:prstGeom>
+          <a:solidFill>
+            <a:schemeClr val="bg1"/>
+          </a:solidFill>
+          <a:ln w="38100"/>
+        </p:spPr>
+        <p:style>
+          <a:lnRef idx="2">
+            <a:schemeClr val="accent1">
+              <a:shade val="15000"/>
+            </a:schemeClr>
+          </a:lnRef>
+          <a:fillRef idx="1">
+            <a:schemeClr val="accent1"/>
+          </a:fillRef>
+          <a:effectRef idx="0">
+            <a:schemeClr val="accent1"/>
+          </a:effectRef>
+          <a:fontRef idx="minor">
+            <a:schemeClr val="lt1"/>
+          </a:fontRef>
+        </p:style>
+        <p:txBody>
+          <a:bodyPr rtlCol="0" anchor="ctr"/>
+          <a:lstStyle/>
+          <a:p>
+            <a:pPr algn="ctr"/>
+            <a:r>
+              <a:rPr lang="en-GB" sz="1800" dirty="0">
+                <a:solidFill>
+                  <a:schemeClr val="tx1"/>
+                </a:solidFill>
+              </a:rPr>
+              <a:t>E</a:t>
+            </a:r>
+            <a:r>
+              <a:rPr lang="en-FR" dirty="0">
+                <a:solidFill>
+                  <a:schemeClr val="tx1"/>
+                </a:solidFill>
+              </a:rPr>
+              <a:t>SXi-2</a:t>
+            </a:r>
+            <a:endParaRPr lang="en-FR" sz="1800" dirty="0">
+              <a:solidFill>
+                <a:schemeClr val="tx1"/>
+              </a:solidFill>
+            </a:endParaRPr>
+          </a:p>
+        </p:txBody>
+      </p:sp>
+      <p:sp>
+        <p:nvSpPr>
+          <p:cNvPr id="13" name="Rounded Rectangle 12">
+            <a:extLst>
+              <a:ext uri="{FF2B5EF4-FFF2-40B4-BE49-F238E27FC236}">
+                <a16:creationId xmlns:a16="http://schemas.microsoft.com/office/drawing/2014/main" id="{4A12A673-D1C3-EC82-82DD-3C00222894C5}"/>
+              </a:ext>
+            </a:extLst>
+          </p:cNvPr>
+          <p:cNvSpPr/>
+          <p:nvPr/>
+        </p:nvSpPr>
+        <p:spPr>
+          <a:xfrm>
+            <a:off x="7462357" y="2709216"/>
+            <a:ext cx="1033669" cy="1073426"/>
+          </a:xfrm>
+          <a:prstGeom prst="roundRect">
+            <a:avLst/>
+          </a:prstGeom>
+          <a:solidFill>
+            <a:schemeClr val="bg1"/>
+          </a:solidFill>
+          <a:ln w="38100"/>
+        </p:spPr>
+        <p:style>
+          <a:lnRef idx="2">
+            <a:schemeClr val="accent1">
+              <a:shade val="15000"/>
+            </a:schemeClr>
+          </a:lnRef>
+          <a:fillRef idx="1">
+            <a:schemeClr val="accent1"/>
+          </a:fillRef>
+          <a:effectRef idx="0">
+            <a:schemeClr val="accent1"/>
+          </a:effectRef>
+          <a:fontRef idx="minor">
+            <a:schemeClr val="lt1"/>
+          </a:fontRef>
+        </p:style>
+        <p:txBody>
+          <a:bodyPr rtlCol="0" anchor="ctr"/>
+          <a:lstStyle/>
+          <a:p>
+            <a:pPr algn="ctr"/>
+            <a:r>
+              <a:rPr lang="en-GB" sz="1800" dirty="0">
+                <a:solidFill>
+                  <a:schemeClr val="tx1"/>
+                </a:solidFill>
+              </a:rPr>
+              <a:t>E</a:t>
+            </a:r>
+            <a:r>
+              <a:rPr lang="en-FR" dirty="0">
+                <a:solidFill>
+                  <a:schemeClr val="tx1"/>
+                </a:solidFill>
+              </a:rPr>
+              <a:t>SXi-n</a:t>
+            </a:r>
+            <a:endParaRPr lang="en-FR" sz="1800" dirty="0">
+              <a:solidFill>
+                <a:schemeClr val="tx1"/>
+              </a:solidFill>
+            </a:endParaRPr>
+          </a:p>
+        </p:txBody>
+      </p:sp>
+      <p:cxnSp>
+        <p:nvCxnSpPr>
+          <p:cNvPr id="15" name="Straight Connector 14">
+            <a:extLst>
+              <a:ext uri="{FF2B5EF4-FFF2-40B4-BE49-F238E27FC236}">
+                <a16:creationId xmlns:a16="http://schemas.microsoft.com/office/drawing/2014/main" id="{805CD17B-3660-2C46-E05A-B76A8E4DE812}"/>
+              </a:ext>
+            </a:extLst>
+          </p:cNvPr>
+          <p:cNvCxnSpPr>
+            <a:cxnSpLocks/>
+            <a:stCxn id="10" idx="0"/>
+          </p:cNvCxnSpPr>
+          <p:nvPr/>
+        </p:nvCxnSpPr>
+        <p:spPr>
+          <a:xfrm flipV="1">
+            <a:off x="2796209" y="2214717"/>
+            <a:ext cx="0" cy="494499"/>
+          </a:xfrm>
+          <a:prstGeom prst="line">
+            <a:avLst/>
+          </a:prstGeom>
+          <a:ln w="38100">
+            <a:solidFill>
+              <a:schemeClr val="accent6"/>
+            </a:solidFill>
+          </a:ln>
+        </p:spPr>
+        <p:style>
+          <a:lnRef idx="1">
+            <a:schemeClr val="accent1"/>
+          </a:lnRef>
+          <a:fillRef idx="0">
+            <a:schemeClr val="accent1"/>
+          </a:fillRef>
+          <a:effectRef idx="0">
+            <a:schemeClr val="accent1"/>
+          </a:effectRef>
+          <a:fontRef idx="minor">
+            <a:schemeClr val="tx1"/>
+          </a:fontRef>
+        </p:style>
+      </p:cxnSp>
+      <p:cxnSp>
+        <p:nvCxnSpPr>
+          <p:cNvPr id="18" name="Straight Connector 17">
+            <a:extLst>
+              <a:ext uri="{FF2B5EF4-FFF2-40B4-BE49-F238E27FC236}">
+                <a16:creationId xmlns:a16="http://schemas.microsoft.com/office/drawing/2014/main" id="{2EF404A0-8C37-A660-720B-22129FBFE182}"/>
+              </a:ext>
+            </a:extLst>
+          </p:cNvPr>
+          <p:cNvCxnSpPr>
+            <a:cxnSpLocks/>
+          </p:cNvCxnSpPr>
+          <p:nvPr/>
+        </p:nvCxnSpPr>
+        <p:spPr>
+          <a:xfrm flipV="1">
+            <a:off x="4472609" y="2214717"/>
+            <a:ext cx="0" cy="494499"/>
+          </a:xfrm>
+          <a:prstGeom prst="line">
+            <a:avLst/>
+          </a:prstGeom>
+          <a:ln w="38100">
+            <a:solidFill>
+              <a:schemeClr val="accent6"/>
+            </a:solidFill>
+          </a:ln>
+        </p:spPr>
+        <p:style>
+          <a:lnRef idx="1">
+            <a:schemeClr val="accent1"/>
+          </a:lnRef>
+          <a:fillRef idx="0">
+            <a:schemeClr val="accent1"/>
+          </a:fillRef>
+          <a:effectRef idx="0">
+            <a:schemeClr val="accent1"/>
+          </a:effectRef>
+          <a:fontRef idx="minor">
+            <a:schemeClr val="tx1"/>
+          </a:fontRef>
+        </p:style>
+      </p:cxnSp>
+      <p:cxnSp>
+        <p:nvCxnSpPr>
+          <p:cNvPr id="19" name="Straight Connector 18">
+            <a:extLst>
+              <a:ext uri="{FF2B5EF4-FFF2-40B4-BE49-F238E27FC236}">
+                <a16:creationId xmlns:a16="http://schemas.microsoft.com/office/drawing/2014/main" id="{034C94FF-3EBB-C3DB-D63B-48840B48D99B}"/>
+              </a:ext>
+            </a:extLst>
+          </p:cNvPr>
+          <p:cNvCxnSpPr>
+            <a:cxnSpLocks/>
+          </p:cNvCxnSpPr>
+          <p:nvPr/>
+        </p:nvCxnSpPr>
+        <p:spPr>
+          <a:xfrm flipV="1">
+            <a:off x="6268278" y="2214717"/>
+            <a:ext cx="0" cy="494499"/>
+          </a:xfrm>
+          <a:prstGeom prst="line">
+            <a:avLst/>
+          </a:prstGeom>
+          <a:ln w="38100">
+            <a:solidFill>
+              <a:schemeClr val="accent6"/>
+            </a:solidFill>
+          </a:ln>
+        </p:spPr>
+        <p:style>
+          <a:lnRef idx="1">
+            <a:schemeClr val="accent1"/>
+          </a:lnRef>
+          <a:fillRef idx="0">
+            <a:schemeClr val="accent1"/>
+          </a:fillRef>
+          <a:effectRef idx="0">
+            <a:schemeClr val="accent1"/>
+          </a:effectRef>
+          <a:fontRef idx="minor">
+            <a:schemeClr val="tx1"/>
+          </a:fontRef>
+        </p:style>
+      </p:cxnSp>
+      <p:cxnSp>
+        <p:nvCxnSpPr>
+          <p:cNvPr id="20" name="Straight Connector 19">
+            <a:extLst>
+              <a:ext uri="{FF2B5EF4-FFF2-40B4-BE49-F238E27FC236}">
+                <a16:creationId xmlns:a16="http://schemas.microsoft.com/office/drawing/2014/main" id="{E1A1AFEB-CB9C-1DAE-C0D0-8268A2C8A77D}"/>
+              </a:ext>
+            </a:extLst>
+          </p:cNvPr>
+          <p:cNvCxnSpPr>
+            <a:cxnSpLocks/>
+          </p:cNvCxnSpPr>
+          <p:nvPr/>
+        </p:nvCxnSpPr>
+        <p:spPr>
+          <a:xfrm flipV="1">
+            <a:off x="8030817" y="2214717"/>
+            <a:ext cx="0" cy="494499"/>
+          </a:xfrm>
+          <a:prstGeom prst="line">
+            <a:avLst/>
+          </a:prstGeom>
+          <a:ln w="38100">
+            <a:solidFill>
+              <a:schemeClr val="accent6"/>
+            </a:solidFill>
+          </a:ln>
+        </p:spPr>
+        <p:style>
+          <a:lnRef idx="1">
+            <a:schemeClr val="accent1"/>
+          </a:lnRef>
+          <a:fillRef idx="0">
+            <a:schemeClr val="accent1"/>
+          </a:fillRef>
+          <a:effectRef idx="0">
+            <a:schemeClr val="accent1"/>
+          </a:effectRef>
+          <a:fontRef idx="minor">
+            <a:schemeClr val="tx1"/>
+          </a:fontRef>
+        </p:style>
+      </p:cxnSp>
+      <p:cxnSp>
+        <p:nvCxnSpPr>
+          <p:cNvPr id="21" name="Straight Connector 20">
+            <a:extLst>
+              <a:ext uri="{FF2B5EF4-FFF2-40B4-BE49-F238E27FC236}">
+                <a16:creationId xmlns:a16="http://schemas.microsoft.com/office/drawing/2014/main" id="{41996B87-87AA-8268-87F7-D3E39E588824}"/>
+              </a:ext>
+            </a:extLst>
+          </p:cNvPr>
+          <p:cNvCxnSpPr>
+            <a:cxnSpLocks/>
+          </p:cNvCxnSpPr>
+          <p:nvPr/>
+        </p:nvCxnSpPr>
+        <p:spPr>
+          <a:xfrm flipV="1">
+            <a:off x="2577548" y="3782642"/>
+            <a:ext cx="0" cy="494499"/>
+          </a:xfrm>
+          <a:prstGeom prst="line">
+            <a:avLst/>
+          </a:prstGeom>
+          <a:ln w="38100">
+            <a:solidFill>
+              <a:schemeClr val="accent5"/>
+            </a:solidFill>
+          </a:ln>
+        </p:spPr>
+        <p:style>
+          <a:lnRef idx="1">
+            <a:schemeClr val="accent1"/>
+          </a:lnRef>
+          <a:fillRef idx="0">
+            <a:schemeClr val="accent1"/>
+          </a:fillRef>
+          <a:effectRef idx="0">
+            <a:schemeClr val="accent1"/>
+          </a:effectRef>
+          <a:fontRef idx="minor">
+            <a:schemeClr val="tx1"/>
+          </a:fontRef>
+        </p:style>
+      </p:cxnSp>
+      <p:cxnSp>
+        <p:nvCxnSpPr>
+          <p:cNvPr id="22" name="Straight Connector 21">
+            <a:extLst>
+              <a:ext uri="{FF2B5EF4-FFF2-40B4-BE49-F238E27FC236}">
+                <a16:creationId xmlns:a16="http://schemas.microsoft.com/office/drawing/2014/main" id="{56CEC8D0-E932-B715-AF8B-E33B591F90E2}"/>
+              </a:ext>
+            </a:extLst>
+          </p:cNvPr>
+          <p:cNvCxnSpPr>
+            <a:cxnSpLocks/>
+          </p:cNvCxnSpPr>
+          <p:nvPr/>
+        </p:nvCxnSpPr>
+        <p:spPr>
+          <a:xfrm flipV="1">
+            <a:off x="4260574" y="3782642"/>
+            <a:ext cx="0" cy="494499"/>
+          </a:xfrm>
+          <a:prstGeom prst="line">
+            <a:avLst/>
+          </a:prstGeom>
+          <a:ln w="38100">
+            <a:solidFill>
+              <a:schemeClr val="accent5"/>
+            </a:solidFill>
+          </a:ln>
+        </p:spPr>
+        <p:style>
+          <a:lnRef idx="1">
+            <a:schemeClr val="accent1"/>
+          </a:lnRef>
+          <a:fillRef idx="0">
+            <a:schemeClr val="accent1"/>
+          </a:fillRef>
+          <a:effectRef idx="0">
+            <a:schemeClr val="accent1"/>
+          </a:effectRef>
+          <a:fontRef idx="minor">
+            <a:schemeClr val="tx1"/>
+          </a:fontRef>
+        </p:style>
+      </p:cxnSp>
+      <p:cxnSp>
+        <p:nvCxnSpPr>
+          <p:cNvPr id="23" name="Straight Connector 22">
+            <a:extLst>
+              <a:ext uri="{FF2B5EF4-FFF2-40B4-BE49-F238E27FC236}">
+                <a16:creationId xmlns:a16="http://schemas.microsoft.com/office/drawing/2014/main" id="{D014D581-AED3-F863-522D-B868E7888AE9}"/>
+              </a:ext>
+            </a:extLst>
+          </p:cNvPr>
+          <p:cNvCxnSpPr>
+            <a:cxnSpLocks/>
+          </p:cNvCxnSpPr>
+          <p:nvPr/>
+        </p:nvCxnSpPr>
+        <p:spPr>
+          <a:xfrm flipV="1">
+            <a:off x="5983356" y="3782642"/>
+            <a:ext cx="0" cy="494499"/>
+          </a:xfrm>
+          <a:prstGeom prst="line">
+            <a:avLst/>
+          </a:prstGeom>
+          <a:ln w="38100">
+            <a:solidFill>
+              <a:schemeClr val="accent5"/>
+            </a:solidFill>
+          </a:ln>
+        </p:spPr>
+        <p:style>
+          <a:lnRef idx="1">
+            <a:schemeClr val="accent1"/>
+          </a:lnRef>
+          <a:fillRef idx="0">
+            <a:schemeClr val="accent1"/>
+          </a:fillRef>
+          <a:effectRef idx="0">
+            <a:schemeClr val="accent1"/>
+          </a:effectRef>
+          <a:fontRef idx="minor">
+            <a:schemeClr val="tx1"/>
+          </a:fontRef>
+        </p:style>
+      </p:cxnSp>
+      <p:cxnSp>
+        <p:nvCxnSpPr>
+          <p:cNvPr id="25" name="Straight Connector 24">
+            <a:extLst>
+              <a:ext uri="{FF2B5EF4-FFF2-40B4-BE49-F238E27FC236}">
+                <a16:creationId xmlns:a16="http://schemas.microsoft.com/office/drawing/2014/main" id="{B9814BA7-F693-E633-77B6-FE6177395E0E}"/>
+              </a:ext>
+            </a:extLst>
+          </p:cNvPr>
+          <p:cNvCxnSpPr>
+            <a:cxnSpLocks/>
+          </p:cNvCxnSpPr>
+          <p:nvPr/>
+        </p:nvCxnSpPr>
+        <p:spPr>
+          <a:xfrm flipV="1">
+            <a:off x="2782957" y="3782642"/>
+            <a:ext cx="0" cy="1162023"/>
+          </a:xfrm>
+          <a:prstGeom prst="line">
+            <a:avLst/>
+          </a:prstGeom>
+          <a:ln w="38100">
+            <a:solidFill>
+              <a:schemeClr val="accent2"/>
+            </a:solidFill>
+          </a:ln>
+        </p:spPr>
+        <p:style>
+          <a:lnRef idx="1">
+            <a:schemeClr val="accent1"/>
+          </a:lnRef>
+          <a:fillRef idx="0">
+            <a:schemeClr val="accent1"/>
+          </a:fillRef>
+          <a:effectRef idx="0">
+            <a:schemeClr val="accent1"/>
+          </a:effectRef>
+          <a:fontRef idx="minor">
+            <a:schemeClr val="tx1"/>
+          </a:fontRef>
+        </p:style>
+      </p:cxnSp>
+      <p:cxnSp>
+        <p:nvCxnSpPr>
+          <p:cNvPr id="27" name="Straight Connector 26">
+            <a:extLst>
+              <a:ext uri="{FF2B5EF4-FFF2-40B4-BE49-F238E27FC236}">
+                <a16:creationId xmlns:a16="http://schemas.microsoft.com/office/drawing/2014/main" id="{F1E9E03E-88B3-5678-3816-DCE6FA4D9E06}"/>
+              </a:ext>
+            </a:extLst>
+          </p:cNvPr>
+          <p:cNvCxnSpPr>
+            <a:cxnSpLocks/>
+          </p:cNvCxnSpPr>
+          <p:nvPr/>
+        </p:nvCxnSpPr>
+        <p:spPr>
+          <a:xfrm flipV="1">
+            <a:off x="4465983" y="3782642"/>
+            <a:ext cx="0" cy="1162023"/>
+          </a:xfrm>
+          <a:prstGeom prst="line">
+            <a:avLst/>
+          </a:prstGeom>
+          <a:ln w="38100">
+            <a:solidFill>
+              <a:schemeClr val="accent2"/>
+            </a:solidFill>
+          </a:ln>
+        </p:spPr>
+        <p:style>
+          <a:lnRef idx="1">
+            <a:schemeClr val="accent1"/>
+          </a:lnRef>
+          <a:fillRef idx="0">
+            <a:schemeClr val="accent1"/>
+          </a:fillRef>
+          <a:effectRef idx="0">
+            <a:schemeClr val="accent1"/>
+          </a:effectRef>
+          <a:fontRef idx="minor">
+            <a:schemeClr val="tx1"/>
+          </a:fontRef>
+        </p:style>
+      </p:cxnSp>
+      <p:cxnSp>
+        <p:nvCxnSpPr>
+          <p:cNvPr id="28" name="Straight Connector 27">
+            <a:extLst>
+              <a:ext uri="{FF2B5EF4-FFF2-40B4-BE49-F238E27FC236}">
+                <a16:creationId xmlns:a16="http://schemas.microsoft.com/office/drawing/2014/main" id="{CAE40991-2DE8-D93F-35A3-A180D98918A2}"/>
+              </a:ext>
+            </a:extLst>
+          </p:cNvPr>
+          <p:cNvCxnSpPr>
+            <a:cxnSpLocks/>
+          </p:cNvCxnSpPr>
+          <p:nvPr/>
+        </p:nvCxnSpPr>
+        <p:spPr>
+          <a:xfrm flipV="1">
+            <a:off x="6168888" y="3782642"/>
+            <a:ext cx="0" cy="1162023"/>
+          </a:xfrm>
+          <a:prstGeom prst="line">
+            <a:avLst/>
+          </a:prstGeom>
+          <a:ln w="38100">
+            <a:solidFill>
+              <a:schemeClr val="accent2"/>
+            </a:solidFill>
+          </a:ln>
+        </p:spPr>
+        <p:style>
+          <a:lnRef idx="1">
+            <a:schemeClr val="accent1"/>
+          </a:lnRef>
+          <a:fillRef idx="0">
+            <a:schemeClr val="accent1"/>
+          </a:fillRef>
+          <a:effectRef idx="0">
+            <a:schemeClr val="accent1"/>
+          </a:effectRef>
+          <a:fontRef idx="minor">
+            <a:schemeClr val="tx1"/>
+          </a:fontRef>
+        </p:style>
+      </p:cxnSp>
+      <p:cxnSp>
+        <p:nvCxnSpPr>
+          <p:cNvPr id="29" name="Straight Connector 28">
+            <a:extLst>
+              <a:ext uri="{FF2B5EF4-FFF2-40B4-BE49-F238E27FC236}">
+                <a16:creationId xmlns:a16="http://schemas.microsoft.com/office/drawing/2014/main" id="{42CBFD84-1C6C-615A-3F1D-570278D03454}"/>
+              </a:ext>
+            </a:extLst>
+          </p:cNvPr>
+          <p:cNvCxnSpPr>
+            <a:cxnSpLocks/>
+          </p:cNvCxnSpPr>
+          <p:nvPr/>
+        </p:nvCxnSpPr>
+        <p:spPr>
+          <a:xfrm flipV="1">
+            <a:off x="7918174" y="3782642"/>
+            <a:ext cx="0" cy="1162023"/>
+          </a:xfrm>
+          <a:prstGeom prst="line">
+            <a:avLst/>
+          </a:prstGeom>
+          <a:ln w="38100">
+            <a:solidFill>
+              <a:schemeClr val="accent2"/>
+            </a:solidFill>
+          </a:ln>
+        </p:spPr>
+        <p:style>
+          <a:lnRef idx="1">
+            <a:schemeClr val="accent1"/>
+          </a:lnRef>
+          <a:fillRef idx="0">
+            <a:schemeClr val="accent1"/>
+          </a:fillRef>
+          <a:effectRef idx="0">
+            <a:schemeClr val="accent1"/>
+          </a:effectRef>
+          <a:fontRef idx="minor">
+            <a:schemeClr val="tx1"/>
+          </a:fontRef>
+        </p:style>
+      </p:cxnSp>
+      <p:sp>
+        <p:nvSpPr>
+          <p:cNvPr id="36" name="TextBox 35">
+            <a:extLst>
+              <a:ext uri="{FF2B5EF4-FFF2-40B4-BE49-F238E27FC236}">
+                <a16:creationId xmlns:a16="http://schemas.microsoft.com/office/drawing/2014/main" id="{C7B5FCBA-8801-A08C-C41E-EB6F133CCDE1}"/>
+              </a:ext>
+            </a:extLst>
+          </p:cNvPr>
+          <p:cNvSpPr txBox="1"/>
+          <p:nvPr/>
+        </p:nvSpPr>
+        <p:spPr>
+          <a:xfrm>
+            <a:off x="9132824" y="2214717"/>
+            <a:ext cx="1700282" cy="369332"/>
+          </a:xfrm>
+          <a:prstGeom prst="rect">
+            <a:avLst/>
+          </a:prstGeom>
+          <a:noFill/>
+        </p:spPr>
+        <p:txBody>
+          <a:bodyPr wrap="square">
+            <a:spAutoFit/>
+          </a:bodyPr>
+          <a:lstStyle/>
+          <a:p>
+            <a:pPr algn="ctr"/>
+            <a:r>
+              <a:rPr lang="en-US" sz="1800" dirty="0" err="1">
+                <a:solidFill>
+                  <a:schemeClr val="tx1"/>
+                </a:solidFill>
+              </a:rPr>
+              <a:t>Mgmt</a:t>
+            </a:r>
+            <a:r>
+              <a:rPr lang="en-US" sz="1800" dirty="0">
+                <a:solidFill>
+                  <a:schemeClr val="tx1"/>
+                </a:solidFill>
+              </a:rPr>
+              <a:t> network</a:t>
+            </a:r>
+            <a:endParaRPr lang="en-FR" sz="1800" dirty="0">
+              <a:solidFill>
+                <a:schemeClr val="tx1"/>
+              </a:solidFill>
+            </a:endParaRPr>
+          </a:p>
+        </p:txBody>
+      </p:sp>
+      <p:sp>
+        <p:nvSpPr>
+          <p:cNvPr id="37" name="TextBox 36">
+            <a:extLst>
+              <a:ext uri="{FF2B5EF4-FFF2-40B4-BE49-F238E27FC236}">
+                <a16:creationId xmlns:a16="http://schemas.microsoft.com/office/drawing/2014/main" id="{7DECE910-40E4-F42A-34B0-E1563E36C5B3}"/>
+              </a:ext>
+            </a:extLst>
+          </p:cNvPr>
+          <p:cNvSpPr txBox="1"/>
+          <p:nvPr/>
+        </p:nvSpPr>
+        <p:spPr>
+          <a:xfrm>
+            <a:off x="9077739" y="4277141"/>
+            <a:ext cx="1846821" cy="369332"/>
+          </a:xfrm>
+          <a:prstGeom prst="rect">
+            <a:avLst/>
+          </a:prstGeom>
+          <a:noFill/>
+        </p:spPr>
+        <p:txBody>
+          <a:bodyPr wrap="square">
+            <a:spAutoFit/>
+          </a:bodyPr>
+          <a:lstStyle/>
+          <a:p>
+            <a:pPr algn="ctr"/>
+            <a:r>
+              <a:rPr lang="en-US" sz="1800" dirty="0" err="1">
+                <a:solidFill>
+                  <a:schemeClr val="tx1"/>
+                </a:solidFill>
+              </a:rPr>
+              <a:t>Vmotion</a:t>
+            </a:r>
+            <a:r>
+              <a:rPr lang="en-US" sz="1800" dirty="0">
+                <a:solidFill>
+                  <a:schemeClr val="tx1"/>
+                </a:solidFill>
+              </a:rPr>
+              <a:t> network</a:t>
+            </a:r>
+            <a:endParaRPr lang="en-FR" sz="1800" dirty="0">
+              <a:solidFill>
+                <a:schemeClr val="tx1"/>
+              </a:solidFill>
+            </a:endParaRPr>
+          </a:p>
+        </p:txBody>
+      </p:sp>
+      <p:sp>
+        <p:nvSpPr>
+          <p:cNvPr id="38" name="TextBox 37">
+            <a:extLst>
+              <a:ext uri="{FF2B5EF4-FFF2-40B4-BE49-F238E27FC236}">
+                <a16:creationId xmlns:a16="http://schemas.microsoft.com/office/drawing/2014/main" id="{899C6AA3-9B1E-3CF1-D873-D8A56E0EDBAD}"/>
+              </a:ext>
+            </a:extLst>
+          </p:cNvPr>
+          <p:cNvSpPr txBox="1"/>
+          <p:nvPr/>
+        </p:nvSpPr>
+        <p:spPr>
+          <a:xfrm>
+            <a:off x="9182828" y="4955459"/>
+            <a:ext cx="1846821" cy="369332"/>
+          </a:xfrm>
+          <a:prstGeom prst="rect">
+            <a:avLst/>
+          </a:prstGeom>
+          <a:noFill/>
+        </p:spPr>
+        <p:txBody>
+          <a:bodyPr wrap="square">
+            <a:spAutoFit/>
+          </a:bodyPr>
+          <a:lstStyle/>
+          <a:p>
+            <a:pPr algn="ctr"/>
+            <a:r>
+              <a:rPr lang="en-US" sz="1800" dirty="0">
+                <a:solidFill>
+                  <a:schemeClr val="tx1"/>
+                </a:solidFill>
+              </a:rPr>
+              <a:t>VSAN network</a:t>
+            </a:r>
+            <a:endParaRPr lang="en-FR" sz="1800" dirty="0">
+              <a:solidFill>
+                <a:schemeClr val="tx1"/>
+              </a:solidFill>
+            </a:endParaRPr>
+          </a:p>
+        </p:txBody>
+      </p:sp>
+      <p:sp>
+        <p:nvSpPr>
+          <p:cNvPr id="39" name="Connector 38">
+            <a:extLst>
+              <a:ext uri="{FF2B5EF4-FFF2-40B4-BE49-F238E27FC236}">
+                <a16:creationId xmlns:a16="http://schemas.microsoft.com/office/drawing/2014/main" id="{D7324989-96F7-25F4-26A6-BCBFC526C46C}"/>
+              </a:ext>
+            </a:extLst>
+          </p:cNvPr>
+          <p:cNvSpPr/>
+          <p:nvPr/>
+        </p:nvSpPr>
+        <p:spPr>
+          <a:xfrm>
+            <a:off x="7918174" y="596348"/>
+            <a:ext cx="2064791" cy="1033669"/>
+          </a:xfrm>
+          <a:prstGeom prst="flowChartConnector">
+            <a:avLst/>
+          </a:prstGeom>
+          <a:ln w="38100">
+            <a:solidFill>
+              <a:schemeClr val="accent6"/>
+            </a:solidFill>
+          </a:ln>
+        </p:spPr>
+        <p:style>
+          <a:lnRef idx="1">
+            <a:schemeClr val="accent1"/>
+          </a:lnRef>
+          <a:fillRef idx="0">
+            <a:schemeClr val="accent1"/>
+          </a:fillRef>
+          <a:effectRef idx="0">
+            <a:schemeClr val="accent1"/>
+          </a:effectRef>
+          <a:fontRef idx="minor">
+            <a:schemeClr val="tx1"/>
+          </a:fontRef>
+        </p:style>
+        <p:txBody>
+          <a:bodyPr rtlCol="0" anchor="ctr"/>
+          <a:lstStyle/>
+          <a:p>
+            <a:pPr algn="ctr"/>
+            <a:endParaRPr lang="en-FR"/>
+          </a:p>
+        </p:txBody>
+      </p:sp>
+      <p:cxnSp>
+        <p:nvCxnSpPr>
+          <p:cNvPr id="40" name="Straight Connector 39">
+            <a:extLst>
+              <a:ext uri="{FF2B5EF4-FFF2-40B4-BE49-F238E27FC236}">
+                <a16:creationId xmlns:a16="http://schemas.microsoft.com/office/drawing/2014/main" id="{E6649BC4-E04C-AC03-2484-3FA7A3F8BE48}"/>
+              </a:ext>
+            </a:extLst>
+          </p:cNvPr>
+          <p:cNvCxnSpPr>
+            <a:cxnSpLocks/>
+          </p:cNvCxnSpPr>
+          <p:nvPr/>
+        </p:nvCxnSpPr>
+        <p:spPr>
+          <a:xfrm flipV="1">
+            <a:off x="8950569" y="1630017"/>
+            <a:ext cx="0" cy="584700"/>
+          </a:xfrm>
+          <a:prstGeom prst="line">
+            <a:avLst/>
+          </a:prstGeom>
+          <a:ln w="38100">
+            <a:solidFill>
+              <a:schemeClr val="accent6"/>
+            </a:solidFill>
+          </a:ln>
+        </p:spPr>
+        <p:style>
+          <a:lnRef idx="1">
+            <a:schemeClr val="accent1"/>
+          </a:lnRef>
+          <a:fillRef idx="0">
+            <a:schemeClr val="accent1"/>
+          </a:fillRef>
+          <a:effectRef idx="0">
+            <a:schemeClr val="accent1"/>
+          </a:effectRef>
+          <a:fontRef idx="minor">
+            <a:schemeClr val="tx1"/>
+          </a:fontRef>
+        </p:style>
+      </p:cxnSp>
+      <p:sp>
+        <p:nvSpPr>
+          <p:cNvPr id="42" name="TextBox 41">
+            <a:extLst>
+              <a:ext uri="{FF2B5EF4-FFF2-40B4-BE49-F238E27FC236}">
+                <a16:creationId xmlns:a16="http://schemas.microsoft.com/office/drawing/2014/main" id="{5B102079-1BF7-E192-3947-EAD44F15A54D}"/>
+              </a:ext>
+            </a:extLst>
+          </p:cNvPr>
+          <p:cNvSpPr txBox="1"/>
+          <p:nvPr/>
+        </p:nvSpPr>
+        <p:spPr>
+          <a:xfrm>
+            <a:off x="8100428" y="881298"/>
+            <a:ext cx="1700282" cy="369332"/>
+          </a:xfrm>
+          <a:prstGeom prst="rect">
+            <a:avLst/>
+          </a:prstGeom>
+          <a:noFill/>
+        </p:spPr>
+        <p:txBody>
+          <a:bodyPr wrap="square">
+            <a:spAutoFit/>
+          </a:bodyPr>
+          <a:lstStyle/>
+          <a:p>
+            <a:pPr algn="ctr"/>
+            <a:r>
+              <a:rPr lang="en-US" sz="1800" dirty="0">
+                <a:solidFill>
+                  <a:schemeClr val="tx1"/>
+                </a:solidFill>
+              </a:rPr>
+              <a:t>Internet</a:t>
+            </a:r>
+            <a:endParaRPr lang="en-FR" sz="1800" dirty="0">
+              <a:solidFill>
+                <a:schemeClr val="tx1"/>
+              </a:solidFill>
+            </a:endParaRPr>
+          </a:p>
+        </p:txBody>
+      </p:sp>
+      <p:cxnSp>
+        <p:nvCxnSpPr>
+          <p:cNvPr id="2" name="Straight Connector 1">
+            <a:extLst>
+              <a:ext uri="{FF2B5EF4-FFF2-40B4-BE49-F238E27FC236}">
+                <a16:creationId xmlns:a16="http://schemas.microsoft.com/office/drawing/2014/main" id="{FE426607-2964-E325-9194-3E333C77870E}"/>
+              </a:ext>
+            </a:extLst>
+          </p:cNvPr>
+          <p:cNvCxnSpPr>
+            <a:cxnSpLocks/>
+          </p:cNvCxnSpPr>
+          <p:nvPr/>
+        </p:nvCxnSpPr>
+        <p:spPr>
+          <a:xfrm flipV="1">
+            <a:off x="2485399" y="3782642"/>
+            <a:ext cx="0" cy="494499"/>
+          </a:xfrm>
+          <a:prstGeom prst="line">
+            <a:avLst/>
+          </a:prstGeom>
+          <a:ln w="38100">
+            <a:solidFill>
+              <a:schemeClr val="accent5"/>
+            </a:solidFill>
+          </a:ln>
+        </p:spPr>
+        <p:style>
+          <a:lnRef idx="1">
+            <a:schemeClr val="accent1"/>
+          </a:lnRef>
+          <a:fillRef idx="0">
+            <a:schemeClr val="accent1"/>
+          </a:fillRef>
+          <a:effectRef idx="0">
+            <a:schemeClr val="accent1"/>
+          </a:effectRef>
+          <a:fontRef idx="minor">
+            <a:schemeClr val="tx1"/>
+          </a:fontRef>
+        </p:style>
+      </p:cxnSp>
+      <p:cxnSp>
+        <p:nvCxnSpPr>
+          <p:cNvPr id="3" name="Straight Connector 2">
+            <a:extLst>
+              <a:ext uri="{FF2B5EF4-FFF2-40B4-BE49-F238E27FC236}">
+                <a16:creationId xmlns:a16="http://schemas.microsoft.com/office/drawing/2014/main" id="{D9C8A1C4-CE02-ADA7-3006-88A18A28B16A}"/>
+              </a:ext>
+            </a:extLst>
+          </p:cNvPr>
+          <p:cNvCxnSpPr>
+            <a:cxnSpLocks/>
+          </p:cNvCxnSpPr>
+          <p:nvPr/>
+        </p:nvCxnSpPr>
+        <p:spPr>
+          <a:xfrm flipV="1">
+            <a:off x="4165344" y="3782642"/>
+            <a:ext cx="0" cy="494499"/>
+          </a:xfrm>
+          <a:prstGeom prst="line">
+            <a:avLst/>
+          </a:prstGeom>
+          <a:ln w="38100">
+            <a:solidFill>
+              <a:schemeClr val="accent5"/>
+            </a:solidFill>
+          </a:ln>
+        </p:spPr>
+        <p:style>
+          <a:lnRef idx="1">
+            <a:schemeClr val="accent1"/>
+          </a:lnRef>
+          <a:fillRef idx="0">
+            <a:schemeClr val="accent1"/>
+          </a:fillRef>
+          <a:effectRef idx="0">
+            <a:schemeClr val="accent1"/>
+          </a:effectRef>
+          <a:fontRef idx="minor">
+            <a:schemeClr val="tx1"/>
+          </a:fontRef>
+        </p:style>
+      </p:cxnSp>
+      <p:cxnSp>
+        <p:nvCxnSpPr>
+          <p:cNvPr id="4" name="Straight Connector 3">
+            <a:extLst>
+              <a:ext uri="{FF2B5EF4-FFF2-40B4-BE49-F238E27FC236}">
+                <a16:creationId xmlns:a16="http://schemas.microsoft.com/office/drawing/2014/main" id="{15026C8D-2536-2ADC-530E-14F8493CFE02}"/>
+              </a:ext>
+            </a:extLst>
+          </p:cNvPr>
+          <p:cNvCxnSpPr>
+            <a:cxnSpLocks/>
+          </p:cNvCxnSpPr>
+          <p:nvPr/>
+        </p:nvCxnSpPr>
+        <p:spPr>
+          <a:xfrm flipV="1">
+            <a:off x="5898450" y="3782642"/>
+            <a:ext cx="0" cy="494499"/>
+          </a:xfrm>
+          <a:prstGeom prst="line">
+            <a:avLst/>
+          </a:prstGeom>
+          <a:ln w="38100">
+            <a:solidFill>
+              <a:schemeClr val="accent5"/>
+            </a:solidFill>
+          </a:ln>
+        </p:spPr>
+        <p:style>
+          <a:lnRef idx="1">
+            <a:schemeClr val="accent1"/>
+          </a:lnRef>
+          <a:fillRef idx="0">
+            <a:schemeClr val="accent1"/>
+          </a:fillRef>
+          <a:effectRef idx="0">
+            <a:schemeClr val="accent1"/>
+          </a:effectRef>
+          <a:fontRef idx="minor">
+            <a:schemeClr val="tx1"/>
+          </a:fontRef>
+        </p:style>
+      </p:cxnSp>
+      <p:cxnSp>
+        <p:nvCxnSpPr>
+          <p:cNvPr id="8" name="Straight Connector 7">
+            <a:extLst>
+              <a:ext uri="{FF2B5EF4-FFF2-40B4-BE49-F238E27FC236}">
+                <a16:creationId xmlns:a16="http://schemas.microsoft.com/office/drawing/2014/main" id="{45088284-69F9-AD0A-586B-0A3502C03122}"/>
+              </a:ext>
+            </a:extLst>
+          </p:cNvPr>
+          <p:cNvCxnSpPr>
+            <a:cxnSpLocks/>
+          </p:cNvCxnSpPr>
+          <p:nvPr/>
+        </p:nvCxnSpPr>
+        <p:spPr>
+          <a:xfrm flipV="1">
+            <a:off x="7642190" y="3782642"/>
+            <a:ext cx="0" cy="494499"/>
+          </a:xfrm>
+          <a:prstGeom prst="line">
+            <a:avLst/>
+          </a:prstGeom>
+          <a:ln w="38100">
+            <a:solidFill>
+              <a:schemeClr val="accent5"/>
+            </a:solidFill>
+          </a:ln>
+        </p:spPr>
+        <p:style>
+          <a:lnRef idx="1">
+            <a:schemeClr val="accent1"/>
+          </a:lnRef>
+          <a:fillRef idx="0">
+            <a:schemeClr val="accent1"/>
+          </a:fillRef>
+          <a:effectRef idx="0">
+            <a:schemeClr val="accent1"/>
+          </a:effectRef>
+          <a:fontRef idx="minor">
+            <a:schemeClr val="tx1"/>
+          </a:fontRef>
+        </p:style>
+      </p:cxnSp>
+      <p:cxnSp>
+        <p:nvCxnSpPr>
+          <p:cNvPr id="9" name="Straight Connector 8">
+            <a:extLst>
+              <a:ext uri="{FF2B5EF4-FFF2-40B4-BE49-F238E27FC236}">
+                <a16:creationId xmlns:a16="http://schemas.microsoft.com/office/drawing/2014/main" id="{4AB6D9C0-44C1-C488-E1D7-D4CB56882F7C}"/>
+              </a:ext>
+            </a:extLst>
+          </p:cNvPr>
+          <p:cNvCxnSpPr>
+            <a:cxnSpLocks/>
+          </p:cNvCxnSpPr>
+          <p:nvPr/>
+        </p:nvCxnSpPr>
+        <p:spPr>
+          <a:xfrm flipV="1">
+            <a:off x="7748515" y="3782642"/>
+            <a:ext cx="0" cy="494499"/>
+          </a:xfrm>
+          <a:prstGeom prst="line">
+            <a:avLst/>
+          </a:prstGeom>
+          <a:ln w="38100">
+            <a:solidFill>
+              <a:schemeClr val="accent5"/>
+            </a:solidFill>
+          </a:ln>
+        </p:spPr>
+        <p:style>
+          <a:lnRef idx="1">
+            <a:schemeClr val="accent1"/>
+          </a:lnRef>
+          <a:fillRef idx="0">
+            <a:schemeClr val="accent1"/>
+          </a:fillRef>
+          <a:effectRef idx="0">
+            <a:schemeClr val="accent1"/>
+          </a:effectRef>
+          <a:fontRef idx="minor">
+            <a:schemeClr val="tx1"/>
+          </a:fontRef>
+        </p:style>
+      </p:cxnSp>
+      <p:cxnSp>
+        <p:nvCxnSpPr>
+          <p:cNvPr id="14" name="Straight Connector 13">
+            <a:extLst>
+              <a:ext uri="{FF2B5EF4-FFF2-40B4-BE49-F238E27FC236}">
+                <a16:creationId xmlns:a16="http://schemas.microsoft.com/office/drawing/2014/main" id="{8DB8B4A5-ED7C-6188-71CF-FEF1EF70FABC}"/>
+              </a:ext>
+            </a:extLst>
+          </p:cNvPr>
+          <p:cNvCxnSpPr>
+            <a:cxnSpLocks/>
+          </p:cNvCxnSpPr>
+          <p:nvPr/>
+        </p:nvCxnSpPr>
+        <p:spPr>
+          <a:xfrm flipV="1">
+            <a:off x="2892827" y="3782642"/>
+            <a:ext cx="0" cy="1162023"/>
+          </a:xfrm>
+          <a:prstGeom prst="line">
+            <a:avLst/>
+          </a:prstGeom>
+          <a:ln w="38100">
+            <a:solidFill>
+              <a:schemeClr val="accent2"/>
+            </a:solidFill>
+          </a:ln>
+        </p:spPr>
+        <p:style>
+          <a:lnRef idx="1">
+            <a:schemeClr val="accent1"/>
+          </a:lnRef>
+          <a:fillRef idx="0">
+            <a:schemeClr val="accent1"/>
+          </a:fillRef>
+          <a:effectRef idx="0">
+            <a:schemeClr val="accent1"/>
+          </a:effectRef>
+          <a:fontRef idx="minor">
+            <a:schemeClr val="tx1"/>
+          </a:fontRef>
+        </p:style>
+      </p:cxnSp>
+      <p:cxnSp>
+        <p:nvCxnSpPr>
+          <p:cNvPr id="16" name="Straight Connector 15">
+            <a:extLst>
+              <a:ext uri="{FF2B5EF4-FFF2-40B4-BE49-F238E27FC236}">
+                <a16:creationId xmlns:a16="http://schemas.microsoft.com/office/drawing/2014/main" id="{16B1C34F-1C83-F80C-8CF6-E2998E5C6B4F}"/>
+              </a:ext>
+            </a:extLst>
+          </p:cNvPr>
+          <p:cNvCxnSpPr>
+            <a:cxnSpLocks/>
+          </p:cNvCxnSpPr>
+          <p:nvPr/>
+        </p:nvCxnSpPr>
+        <p:spPr>
+          <a:xfrm flipV="1">
+            <a:off x="4572771" y="3793436"/>
+            <a:ext cx="0" cy="1162023"/>
+          </a:xfrm>
+          <a:prstGeom prst="line">
+            <a:avLst/>
+          </a:prstGeom>
+          <a:ln w="38100">
+            <a:solidFill>
+              <a:schemeClr val="accent2"/>
+            </a:solidFill>
+          </a:ln>
+        </p:spPr>
+        <p:style>
+          <a:lnRef idx="1">
+            <a:schemeClr val="accent1"/>
+          </a:lnRef>
+          <a:fillRef idx="0">
+            <a:schemeClr val="accent1"/>
+          </a:fillRef>
+          <a:effectRef idx="0">
+            <a:schemeClr val="accent1"/>
+          </a:effectRef>
+          <a:fontRef idx="minor">
+            <a:schemeClr val="tx1"/>
+          </a:fontRef>
+        </p:style>
+      </p:cxnSp>
+      <p:cxnSp>
+        <p:nvCxnSpPr>
+          <p:cNvPr id="17" name="Straight Connector 16">
+            <a:extLst>
+              <a:ext uri="{FF2B5EF4-FFF2-40B4-BE49-F238E27FC236}">
+                <a16:creationId xmlns:a16="http://schemas.microsoft.com/office/drawing/2014/main" id="{D8BF8F4F-C59D-EBDD-A6A1-93F88AC0273F}"/>
+              </a:ext>
+            </a:extLst>
+          </p:cNvPr>
+          <p:cNvCxnSpPr>
+            <a:cxnSpLocks/>
+          </p:cNvCxnSpPr>
+          <p:nvPr/>
+        </p:nvCxnSpPr>
+        <p:spPr>
+          <a:xfrm flipV="1">
+            <a:off x="6268278" y="3782642"/>
+            <a:ext cx="0" cy="1162023"/>
+          </a:xfrm>
+          <a:prstGeom prst="line">
+            <a:avLst/>
+          </a:prstGeom>
+          <a:ln w="38100">
+            <a:solidFill>
+              <a:schemeClr val="accent2"/>
+            </a:solidFill>
+          </a:ln>
+        </p:spPr>
+        <p:style>
+          <a:lnRef idx="1">
+            <a:schemeClr val="accent1"/>
+          </a:lnRef>
+          <a:fillRef idx="0">
+            <a:schemeClr val="accent1"/>
+          </a:fillRef>
+          <a:effectRef idx="0">
+            <a:schemeClr val="accent1"/>
+          </a:effectRef>
+          <a:fontRef idx="minor">
+            <a:schemeClr val="tx1"/>
+          </a:fontRef>
+        </p:style>
+      </p:cxnSp>
+      <p:cxnSp>
+        <p:nvCxnSpPr>
+          <p:cNvPr id="26" name="Straight Connector 25">
+            <a:extLst>
+              <a:ext uri="{FF2B5EF4-FFF2-40B4-BE49-F238E27FC236}">
+                <a16:creationId xmlns:a16="http://schemas.microsoft.com/office/drawing/2014/main" id="{80BB8A32-B88C-7A2D-3BAF-0E9E6802AEF5}"/>
+              </a:ext>
+            </a:extLst>
+          </p:cNvPr>
+          <p:cNvCxnSpPr>
+            <a:cxnSpLocks/>
+          </p:cNvCxnSpPr>
+          <p:nvPr/>
+        </p:nvCxnSpPr>
+        <p:spPr>
+          <a:xfrm flipV="1">
+            <a:off x="8030817" y="3793436"/>
+            <a:ext cx="0" cy="1162023"/>
+          </a:xfrm>
+          <a:prstGeom prst="line">
+            <a:avLst/>
+          </a:prstGeom>
+          <a:ln w="38100">
+            <a:solidFill>
+              <a:schemeClr val="accent2"/>
+            </a:solidFill>
+          </a:ln>
+        </p:spPr>
+        <p:style>
+          <a:lnRef idx="1">
+            <a:schemeClr val="accent1"/>
+          </a:lnRef>
+          <a:fillRef idx="0">
+            <a:schemeClr val="accent1"/>
+          </a:fillRef>
+          <a:effectRef idx="0">
+            <a:schemeClr val="accent1"/>
+          </a:effectRef>
+          <a:fontRef idx="minor">
+            <a:schemeClr val="tx1"/>
+          </a:fontRef>
+        </p:style>
+      </p:cxnSp>
+      <p:cxnSp>
+        <p:nvCxnSpPr>
+          <p:cNvPr id="30" name="Straight Connector 29">
+            <a:extLst>
+              <a:ext uri="{FF2B5EF4-FFF2-40B4-BE49-F238E27FC236}">
+                <a16:creationId xmlns:a16="http://schemas.microsoft.com/office/drawing/2014/main" id="{AD232864-B955-3A9C-E423-9D968FACC816}"/>
+              </a:ext>
+            </a:extLst>
+          </p:cNvPr>
+          <p:cNvCxnSpPr>
+            <a:cxnSpLocks/>
+          </p:cNvCxnSpPr>
+          <p:nvPr/>
+        </p:nvCxnSpPr>
+        <p:spPr>
+          <a:xfrm flipV="1">
+            <a:off x="2892827" y="2214717"/>
+            <a:ext cx="0" cy="494499"/>
+          </a:xfrm>
+          <a:prstGeom prst="line">
+            <a:avLst/>
+          </a:prstGeom>
+          <a:ln w="38100">
+            <a:solidFill>
+              <a:schemeClr val="accent6"/>
+            </a:solidFill>
+          </a:ln>
+        </p:spPr>
+        <p:style>
+          <a:lnRef idx="1">
+            <a:schemeClr val="accent1"/>
+          </a:lnRef>
+          <a:fillRef idx="0">
+            <a:schemeClr val="accent1"/>
+          </a:fillRef>
+          <a:effectRef idx="0">
+            <a:schemeClr val="accent1"/>
+          </a:effectRef>
+          <a:fontRef idx="minor">
+            <a:schemeClr val="tx1"/>
+          </a:fontRef>
+        </p:style>
+      </p:cxnSp>
+      <p:cxnSp>
+        <p:nvCxnSpPr>
+          <p:cNvPr id="31" name="Straight Connector 30">
+            <a:extLst>
+              <a:ext uri="{FF2B5EF4-FFF2-40B4-BE49-F238E27FC236}">
+                <a16:creationId xmlns:a16="http://schemas.microsoft.com/office/drawing/2014/main" id="{D2CC540A-1338-2A58-97AE-B86ACABC6A49}"/>
+              </a:ext>
+            </a:extLst>
+          </p:cNvPr>
+          <p:cNvCxnSpPr>
+            <a:cxnSpLocks/>
+          </p:cNvCxnSpPr>
+          <p:nvPr/>
+        </p:nvCxnSpPr>
+        <p:spPr>
+          <a:xfrm flipV="1">
+            <a:off x="4572771" y="2214717"/>
+            <a:ext cx="0" cy="494499"/>
+          </a:xfrm>
+          <a:prstGeom prst="line">
+            <a:avLst/>
+          </a:prstGeom>
+          <a:ln w="38100">
+            <a:solidFill>
+              <a:schemeClr val="accent6"/>
+            </a:solidFill>
+          </a:ln>
+        </p:spPr>
+        <p:style>
+          <a:lnRef idx="1">
+            <a:schemeClr val="accent1"/>
+          </a:lnRef>
+          <a:fillRef idx="0">
+            <a:schemeClr val="accent1"/>
+          </a:fillRef>
+          <a:effectRef idx="0">
+            <a:schemeClr val="accent1"/>
+          </a:effectRef>
+          <a:fontRef idx="minor">
+            <a:schemeClr val="tx1"/>
+          </a:fontRef>
+        </p:style>
+      </p:cxnSp>
+      <p:cxnSp>
+        <p:nvCxnSpPr>
+          <p:cNvPr id="32" name="Straight Connector 31">
+            <a:extLst>
+              <a:ext uri="{FF2B5EF4-FFF2-40B4-BE49-F238E27FC236}">
+                <a16:creationId xmlns:a16="http://schemas.microsoft.com/office/drawing/2014/main" id="{87312E35-5537-2478-F359-6B2C6381D1A3}"/>
+              </a:ext>
+            </a:extLst>
+          </p:cNvPr>
+          <p:cNvCxnSpPr>
+            <a:cxnSpLocks/>
+          </p:cNvCxnSpPr>
+          <p:nvPr/>
+        </p:nvCxnSpPr>
+        <p:spPr>
+          <a:xfrm flipV="1">
+            <a:off x="6372292" y="2214717"/>
+            <a:ext cx="0" cy="494499"/>
+          </a:xfrm>
+          <a:prstGeom prst="line">
+            <a:avLst/>
+          </a:prstGeom>
+          <a:ln w="38100">
+            <a:solidFill>
+              <a:schemeClr val="accent6"/>
+            </a:solidFill>
+          </a:ln>
+        </p:spPr>
+        <p:style>
+          <a:lnRef idx="1">
+            <a:schemeClr val="accent1"/>
+          </a:lnRef>
+          <a:fillRef idx="0">
+            <a:schemeClr val="accent1"/>
+          </a:fillRef>
+          <a:effectRef idx="0">
+            <a:schemeClr val="accent1"/>
+          </a:effectRef>
+          <a:fontRef idx="minor">
+            <a:schemeClr val="tx1"/>
+          </a:fontRef>
+        </p:style>
+      </p:cxnSp>
+      <p:cxnSp>
+        <p:nvCxnSpPr>
+          <p:cNvPr id="33" name="Straight Connector 32">
+            <a:extLst>
+              <a:ext uri="{FF2B5EF4-FFF2-40B4-BE49-F238E27FC236}">
+                <a16:creationId xmlns:a16="http://schemas.microsoft.com/office/drawing/2014/main" id="{A9C8AA91-A098-E740-0F7B-D8F56D76F91F}"/>
+              </a:ext>
+            </a:extLst>
+          </p:cNvPr>
+          <p:cNvCxnSpPr>
+            <a:cxnSpLocks/>
+          </p:cNvCxnSpPr>
+          <p:nvPr/>
+        </p:nvCxnSpPr>
+        <p:spPr>
+          <a:xfrm flipV="1">
+            <a:off x="8100428" y="2214717"/>
+            <a:ext cx="0" cy="494499"/>
+          </a:xfrm>
+          <a:prstGeom prst="line">
+            <a:avLst/>
+          </a:prstGeom>
+          <a:ln w="38100">
+            <a:solidFill>
+              <a:schemeClr val="accent6"/>
+            </a:solidFill>
+          </a:ln>
+        </p:spPr>
+        <p:style>
+          <a:lnRef idx="1">
+            <a:schemeClr val="accent1"/>
+          </a:lnRef>
+          <a:fillRef idx="0">
+            <a:schemeClr val="accent1"/>
+          </a:fillRef>
+          <a:effectRef idx="0">
+            <a:schemeClr val="accent1"/>
+          </a:effectRef>
+          <a:fontRef idx="minor">
+            <a:schemeClr val="tx1"/>
+          </a:fontRef>
+        </p:style>
+      </p:cxnSp>
+    </p:spTree>
+    <p:extLst>
+      <p:ext uri="{BB962C8B-B14F-4D97-AF65-F5344CB8AC3E}">
+        <p14:creationId xmlns:p14="http://schemas.microsoft.com/office/powerpoint/2010/main" val="3246524398"/>
+      </p:ext>
+    </p:extLst>
+  </p:cSld>
+  <p:clrMapOvr>
+    <a:masterClrMapping/>
+  </p:clrMapOvr>
+</p:sld>
+</file>
+
 <file path=ppt/theme/theme1.xml><?xml version="1.0" encoding="utf-8"?>
 <a:theme xmlns:a="http://schemas.openxmlformats.org/drawingml/2006/main" name="Office Theme">
   <a:themeElements>

--- a/imgs/slides.pptx
+++ b/imgs/slides.pptx
@@ -4050,49 +4050,6 @@
       </p:cxnSp>
       <p:cxnSp>
         <p:nvCxnSpPr>
-          <p:cNvPr id="24" name="Straight Connector 23">
-            <a:extLst>
-              <a:ext uri="{FF2B5EF4-FFF2-40B4-BE49-F238E27FC236}">
-                <a16:creationId xmlns:a16="http://schemas.microsoft.com/office/drawing/2014/main" id="{D4C1A2A9-106E-BB8D-45C5-D244103FC628}"/>
-              </a:ext>
-            </a:extLst>
-          </p:cNvPr>
-          <p:cNvCxnSpPr>
-            <a:cxnSpLocks/>
-          </p:cNvCxnSpPr>
-          <p:nvPr/>
-        </p:nvCxnSpPr>
-        <p:spPr>
-          <a:xfrm flipV="1">
-            <a:off x="7745896" y="3782642"/>
-            <a:ext cx="0" cy="494499"/>
-          </a:xfrm>
-          <a:prstGeom prst="line">
-            <a:avLst/>
-          </a:prstGeom>
-          <a:ln w="38100">
-            <a:solidFill>
-              <a:schemeClr val="accent6"/>
-            </a:solidFill>
-          </a:ln>
-        </p:spPr>
-        <p:style>
-          <a:lnRef idx="1">
-            <a:schemeClr val="accent1"/>
-          </a:lnRef>
-          <a:fillRef idx="0">
-            <a:schemeClr val="accent1"/>
-          </a:fillRef>
-          <a:effectRef idx="0">
-            <a:schemeClr val="accent1"/>
-          </a:effectRef>
-          <a:fontRef idx="minor">
-            <a:schemeClr val="tx1"/>
-          </a:fontRef>
-        </p:style>
-      </p:cxnSp>
-      <p:cxnSp>
-        <p:nvCxnSpPr>
           <p:cNvPr id="25" name="Straight Connector 24">
             <a:extLst>
               <a:ext uri="{FF2B5EF4-FFF2-40B4-BE49-F238E27FC236}">
@@ -4551,6 +4508,49 @@
           </a:p>
         </p:txBody>
       </p:sp>
+      <p:cxnSp>
+        <p:nvCxnSpPr>
+          <p:cNvPr id="2" name="Straight Connector 1">
+            <a:extLst>
+              <a:ext uri="{FF2B5EF4-FFF2-40B4-BE49-F238E27FC236}">
+                <a16:creationId xmlns:a16="http://schemas.microsoft.com/office/drawing/2014/main" id="{4CA128E6-79A4-0FD6-2CA8-C9EBDC3D21D2}"/>
+              </a:ext>
+            </a:extLst>
+          </p:cNvPr>
+          <p:cNvCxnSpPr>
+            <a:cxnSpLocks/>
+          </p:cNvCxnSpPr>
+          <p:nvPr/>
+        </p:nvCxnSpPr>
+        <p:spPr>
+          <a:xfrm flipV="1">
+            <a:off x="7741273" y="3782642"/>
+            <a:ext cx="0" cy="494499"/>
+          </a:xfrm>
+          <a:prstGeom prst="line">
+            <a:avLst/>
+          </a:prstGeom>
+          <a:ln w="38100">
+            <a:solidFill>
+              <a:schemeClr val="accent5"/>
+            </a:solidFill>
+          </a:ln>
+        </p:spPr>
+        <p:style>
+          <a:lnRef idx="1">
+            <a:schemeClr val="accent1"/>
+          </a:lnRef>
+          <a:fillRef idx="0">
+            <a:schemeClr val="accent1"/>
+          </a:fillRef>
+          <a:effectRef idx="0">
+            <a:schemeClr val="accent1"/>
+          </a:effectRef>
+          <a:fontRef idx="minor">
+            <a:schemeClr val="tx1"/>
+          </a:fontRef>
+        </p:style>
+      </p:cxnSp>
     </p:spTree>
     <p:extLst>
       <p:ext uri="{BB962C8B-B14F-4D97-AF65-F5344CB8AC3E}">
